--- a/Paper/EL-EN 2017/sunum/ELEN2017_OralPres_Mesut_Uğur.pptx
+++ b/Paper/EL-EN 2017/sunum/ELEN2017_OralPres_Mesut_Uğur.pptx
@@ -224,7 +224,7 @@
           <a:p>
             <a:fld id="{D1C008C1-D970-43BD-9678-58985B84B3B0}" type="datetimeFigureOut">
               <a:rPr lang="tr-TR" smtClean="0"/>
-              <a:t>18.09.2017</a:t>
+              <a:t>19.09.2017</a:t>
             </a:fld>
             <a:endParaRPr lang="tr-TR"/>
           </a:p>
@@ -1933,7 +1933,7 @@
           <a:p>
             <a:fld id="{D275723C-A363-4114-BE18-3E9589C2B9C2}" type="datetime1">
               <a:rPr lang="en-US" smtClean="0"/>
-              <a:t>9/18/2017</a:t>
+              <a:t>9/19/2017</a:t>
             </a:fld>
             <a:endParaRPr lang="en-US" dirty="0"/>
           </a:p>
@@ -2104,7 +2104,7 @@
           <a:p>
             <a:fld id="{C5592633-93A2-4DB7-B3D8-5F6714E7EFEC}" type="datetime1">
               <a:rPr lang="en-US" smtClean="0"/>
-              <a:t>9/18/2017</a:t>
+              <a:t>9/19/2017</a:t>
             </a:fld>
             <a:endParaRPr lang="en-US" dirty="0"/>
           </a:p>
@@ -2285,7 +2285,7 @@
           <a:p>
             <a:fld id="{6F760D8D-AE05-4AF5-8666-75C48EA7B609}" type="datetime1">
               <a:rPr lang="en-US" smtClean="0"/>
-              <a:t>9/18/2017</a:t>
+              <a:t>9/19/2017</a:t>
             </a:fld>
             <a:endParaRPr lang="en-US" dirty="0"/>
           </a:p>
@@ -2456,7 +2456,7 @@
           <a:p>
             <a:fld id="{6D87B8C0-62AE-47C8-A8EF-FC863B0F06E5}" type="datetime1">
               <a:rPr lang="en-US" smtClean="0"/>
-              <a:t>9/18/2017</a:t>
+              <a:t>9/19/2017</a:t>
             </a:fld>
             <a:endParaRPr lang="en-US" dirty="0"/>
           </a:p>
@@ -2703,7 +2703,7 @@
           <a:p>
             <a:fld id="{A76C8472-C309-40FA-8240-FF6234B7F0D0}" type="datetime1">
               <a:rPr lang="en-US" smtClean="0"/>
-              <a:t>9/18/2017</a:t>
+              <a:t>9/19/2017</a:t>
             </a:fld>
             <a:endParaRPr lang="en-US" dirty="0"/>
           </a:p>
@@ -2992,7 +2992,7 @@
           <a:p>
             <a:fld id="{33196F6B-6F2E-418E-A1A6-2F06576F6EF7}" type="datetime1">
               <a:rPr lang="en-US" smtClean="0"/>
-              <a:t>9/18/2017</a:t>
+              <a:t>9/19/2017</a:t>
             </a:fld>
             <a:endParaRPr lang="en-US" dirty="0"/>
           </a:p>
@@ -3415,7 +3415,7 @@
           <a:p>
             <a:fld id="{D09CD6EC-2E00-46F1-9BD2-E1865A200410}" type="datetime1">
               <a:rPr lang="en-US" smtClean="0"/>
-              <a:t>9/18/2017</a:t>
+              <a:t>9/19/2017</a:t>
             </a:fld>
             <a:endParaRPr lang="en-US" dirty="0"/>
           </a:p>
@@ -3534,7 +3534,7 @@
           <a:p>
             <a:fld id="{C40B9E5A-6330-4749-ACDB-FB892FCFE6A5}" type="datetime1">
               <a:rPr lang="en-US" smtClean="0"/>
-              <a:t>9/18/2017</a:t>
+              <a:t>9/19/2017</a:t>
             </a:fld>
             <a:endParaRPr lang="en-US" dirty="0"/>
           </a:p>
@@ -3630,7 +3630,7 @@
           <a:p>
             <a:fld id="{1C181CB3-A768-4AD8-A97F-12E47CC1200D}" type="datetime1">
               <a:rPr lang="en-US" smtClean="0"/>
-              <a:t>9/18/2017</a:t>
+              <a:t>9/19/2017</a:t>
             </a:fld>
             <a:endParaRPr lang="en-US" dirty="0"/>
           </a:p>
@@ -3908,7 +3908,7 @@
           <a:p>
             <a:fld id="{AF3D8106-484C-46C6-8BE9-348BFA7F2DCB}" type="datetime1">
               <a:rPr lang="en-US" smtClean="0"/>
-              <a:t>9/18/2017</a:t>
+              <a:t>9/19/2017</a:t>
             </a:fld>
             <a:endParaRPr lang="en-US" dirty="0"/>
           </a:p>
@@ -4162,7 +4162,7 @@
           <a:p>
             <a:fld id="{F2A57B0D-110E-4AAD-9411-DA6CB39E8776}" type="datetime1">
               <a:rPr lang="en-US" smtClean="0"/>
-              <a:t>9/18/2017</a:t>
+              <a:t>9/19/2017</a:t>
             </a:fld>
             <a:endParaRPr lang="en-US" dirty="0"/>
           </a:p>
@@ -4395,7 +4395,7 @@
           <a:p>
             <a:fld id="{FB4B5B0E-55D6-4DAA-879D-58BBFFC7379B}" type="datetime1">
               <a:rPr lang="en-US" smtClean="0"/>
-              <a:t>9/18/2017</a:t>
+              <a:t>9/19/2017</a:t>
             </a:fld>
             <a:endParaRPr lang="en-US" dirty="0"/>
           </a:p>
@@ -7446,10 +7446,6 @@
               </a:rPr>
               <a:t>Kayıp analizi sonuçları</a:t>
             </a:r>
-            <a:endParaRPr lang="tr-TR" sz="2400" u="sng" dirty="0" smtClean="0">
-              <a:latin typeface="Times New Roman" panose="02020603050405020304" pitchFamily="18" charset="0"/>
-              <a:cs typeface="Times New Roman" panose="02020603050405020304" pitchFamily="18" charset="0"/>
-            </a:endParaRPr>
           </a:p>
         </p:txBody>
       </p:sp>
@@ -7896,8 +7892,8 @@
           </a:extLst>
         </p:spPr>
       </p:pic>
-      <mc:AlternateContent xmlns:mc="http://schemas.openxmlformats.org/markup-compatibility/2006" xmlns:a14="http://schemas.microsoft.com/office/drawing/2010/main">
-        <mc:Choice Requires="a14">
+      <mc:AlternateContent xmlns:mc="http://schemas.openxmlformats.org/markup-compatibility/2006">
+        <mc:Choice xmlns:a14="http://schemas.microsoft.com/office/drawing/2010/main" Requires="a14">
           <p:sp>
             <p:nvSpPr>
               <p:cNvPr id="19" name="TextBox 18"/>
@@ -7932,7 +7928,14 @@
                     <a:latin typeface="Times New Roman" panose="02020603050405020304" pitchFamily="18" charset="0"/>
                     <a:cs typeface="Times New Roman" panose="02020603050405020304" pitchFamily="18" charset="0"/>
                   </a:rPr>
-                  <a:t>DA bara kondansatör akımı etkin değeri: % 48 azalma</a:t>
+                  <a:t>DC </a:t>
+                </a:r>
+                <a:r>
+                  <a:rPr lang="tr-TR" sz="2000" dirty="0" smtClean="0">
+                    <a:latin typeface="Times New Roman" panose="02020603050405020304" pitchFamily="18" charset="0"/>
+                    <a:cs typeface="Times New Roman" panose="02020603050405020304" pitchFamily="18" charset="0"/>
+                  </a:rPr>
+                  <a:t>bara kondansatör akımı etkin değeri: % 48 azalma</a:t>
                 </a:r>
               </a:p>
               <a:p>
@@ -7964,7 +7967,14 @@
                     <a:latin typeface="Times New Roman" panose="02020603050405020304" pitchFamily="18" charset="0"/>
                     <a:cs typeface="Times New Roman" panose="02020603050405020304" pitchFamily="18" charset="0"/>
                   </a:rPr>
-                  <a:t>DA bara kondansatör sığa değeri</a:t>
+                  <a:t>DC </a:t>
+                </a:r>
+                <a:r>
+                  <a:rPr lang="tr-TR" sz="2000" dirty="0" smtClean="0">
+                    <a:latin typeface="Times New Roman" panose="02020603050405020304" pitchFamily="18" charset="0"/>
+                    <a:cs typeface="Times New Roman" panose="02020603050405020304" pitchFamily="18" charset="0"/>
+                  </a:rPr>
+                  <a:t>bara kondansatör sığa değeri</a:t>
                 </a:r>
                 <a:r>
                   <a:rPr lang="tr-TR" sz="2000" dirty="0">
@@ -8050,7 +8060,7 @@
             </p:txBody>
           </p:sp>
         </mc:Choice>
-        <mc:Fallback xmlns="">
+        <mc:Fallback>
           <p:sp>
             <p:nvSpPr>
               <p:cNvPr id="19" name="TextBox 18"/>
@@ -15223,14 +15233,7 @@
                 <a:latin typeface="Times New Roman" panose="02020603050405020304" pitchFamily="18" charset="0"/>
                 <a:cs typeface="Times New Roman" panose="02020603050405020304" pitchFamily="18" charset="0"/>
               </a:rPr>
-              <a:t>Benzetim </a:t>
-            </a:r>
-            <a:r>
-              <a:rPr lang="tr-TR" sz="2400" dirty="0" smtClean="0">
-                <a:latin typeface="Times New Roman" panose="02020603050405020304" pitchFamily="18" charset="0"/>
-                <a:cs typeface="Times New Roman" panose="02020603050405020304" pitchFamily="18" charset="0"/>
-              </a:rPr>
-              <a:t>Çalışmaları</a:t>
+              <a:t>Benzetim Çalışmaları</a:t>
             </a:r>
             <a:endParaRPr lang="en-US" sz="2400" dirty="0" smtClean="0">
               <a:latin typeface="Times New Roman" panose="02020603050405020304" pitchFamily="18" charset="0"/>
@@ -15250,7 +15253,7 @@
                 <a:latin typeface="Times New Roman" panose="02020603050405020304" pitchFamily="18" charset="0"/>
                 <a:cs typeface="Times New Roman" panose="02020603050405020304" pitchFamily="18" charset="0"/>
               </a:rPr>
-              <a:t>Sonuçlar ve Çıkarımlar</a:t>
+              <a:t>Sonuçlar</a:t>
             </a:r>
             <a:endParaRPr lang="en-US" sz="2400" dirty="0" smtClean="0">
               <a:latin typeface="Times New Roman" panose="02020603050405020304" pitchFamily="18" charset="0"/>
@@ -17160,14 +17163,7 @@
                 <a:latin typeface="Times New Roman" panose="02020603050405020304" pitchFamily="18" charset="0"/>
                 <a:cs typeface="Times New Roman" panose="02020603050405020304" pitchFamily="18" charset="0"/>
               </a:rPr>
-              <a:t>Azaltılmış </a:t>
-            </a:r>
-            <a:r>
-              <a:rPr lang="tr-TR" sz="2400" dirty="0" smtClean="0">
-                <a:latin typeface="Times New Roman" panose="02020603050405020304" pitchFamily="18" charset="0"/>
-                <a:cs typeface="Times New Roman" panose="02020603050405020304" pitchFamily="18" charset="0"/>
-              </a:rPr>
-              <a:t>gerilim</a:t>
+              <a:t>Azaltılmış gerilim</a:t>
             </a:r>
             <a:endParaRPr lang="en-US" sz="2400" dirty="0">
               <a:latin typeface="Times New Roman" panose="02020603050405020304" pitchFamily="18" charset="0"/>
@@ -19767,8 +19763,8 @@
           </a:p>
         </p:txBody>
       </p:sp>
-      <mc:AlternateContent xmlns:mc="http://schemas.openxmlformats.org/markup-compatibility/2006" xmlns:a14="http://schemas.microsoft.com/office/drawing/2010/main">
-        <mc:Choice Requires="a14">
+      <mc:AlternateContent xmlns:mc="http://schemas.openxmlformats.org/markup-compatibility/2006">
+        <mc:Choice xmlns:a14="http://schemas.microsoft.com/office/drawing/2010/main" Requires="a14">
           <p:sp>
             <p:nvSpPr>
               <p:cNvPr id="19" name="TextBox 18"/>
@@ -19856,7 +19852,14 @@
                     <a:latin typeface="Times New Roman" panose="02020603050405020304" pitchFamily="18" charset="0"/>
                     <a:cs typeface="Times New Roman" panose="02020603050405020304" pitchFamily="18" charset="0"/>
                   </a:rPr>
-                  <a:t>Da bara gerilimi = 540 V</a:t>
+                  <a:t>DC </a:t>
+                </a:r>
+                <a:r>
+                  <a:rPr lang="tr-TR" sz="2000" dirty="0" smtClean="0">
+                    <a:latin typeface="Times New Roman" panose="02020603050405020304" pitchFamily="18" charset="0"/>
+                    <a:cs typeface="Times New Roman" panose="02020603050405020304" pitchFamily="18" charset="0"/>
+                  </a:rPr>
+                  <a:t>bara gerilimi = 540 V</a:t>
                 </a:r>
               </a:p>
               <a:p>
@@ -19890,7 +19893,7 @@
             </p:txBody>
           </p:sp>
         </mc:Choice>
-        <mc:Fallback xmlns="">
+        <mc:Fallback>
           <p:sp>
             <p:nvSpPr>
               <p:cNvPr id="19" name="TextBox 18"/>
